--- a/pptx/showcases_sebastian_engel_wolf.pptx
+++ b/pptx/showcases_sebastian_engel_wolf.pptx
@@ -6059,8 +6059,8 @@
         </p:nvSpPr>
         <p:spPr>
           <a:xfrm>
-            <a:off x="838200" y="1825625"/>
-            <a:ext cx="10515599" cy="2019262"/>
+            <a:off x="838200" y="1825624"/>
+            <a:ext cx="10515599" cy="2470953"/>
           </a:xfrm>
           <a:prstGeom prst="rect">
             <a:avLst/>
@@ -6069,7 +6069,7 @@
         </p:spPr>
         <p:txBody>
           <a:bodyPr vert="horz" lIns="91440" tIns="45720" rIns="91440" bIns="45720" rtlCol="0">
-            <a:normAutofit/>
+            <a:normAutofit lnSpcReduction="10000"/>
           </a:bodyPr>
           <a:lstStyle>
             <a:lvl1pPr marL="228600" indent="-228600" algn="l" defTabSz="914400" rtl="0" eaLnBrk="1" latinLnBrk="0" hangingPunct="1">
@@ -6256,40 +6256,63 @@
           <a:p>
             <a:r>
               <a:rPr lang="de-CH" sz="2000" dirty="0" smtClean="0"/>
-              <a:t>How to build a shiny truck: </a:t>
+              <a:t>Rstudio Webinar: </a:t>
             </a:r>
             <a:r>
               <a:rPr lang="en-US" sz="2000" dirty="0">
                 <a:hlinkClick r:id="rId2"/>
               </a:rPr>
-              <a:t>https://rviews.rstudio.com/2018/09/04/how-to-build-shiny-trucks-not-shiny-cars/</a:t>
+              <a:t>https://</a:t>
+            </a:r>
+            <a:r>
+              <a:rPr lang="en-US" sz="2000" dirty="0" smtClean="0">
+                <a:hlinkClick r:id="rId2"/>
+              </a:rPr>
+              <a:t>resources.rstudio.com/webinars/the-role-of-r-in-drug-discovery-research-and-development</a:t>
+            </a:r>
+            <a:r>
+              <a:rPr lang="en-US" sz="2000" dirty="0" smtClean="0"/>
+              <a:t> (13:25)</a:t>
             </a:r>
             <a:endParaRPr lang="de-CH" sz="2000" dirty="0" smtClean="0"/>
           </a:p>
           <a:p>
             <a:r>
-              <a:rPr lang="en-US" sz="2000" dirty="0"/>
-              <a:t>A shiny Web App from LEGO— truck + </a:t>
-            </a:r>
-            <a:r>
-              <a:rPr lang="en-US" sz="2000" dirty="0" smtClean="0"/>
-              <a:t>trailer </a:t>
-            </a:r>
-            <a:r>
-              <a:rPr lang="en-US" sz="2000" dirty="0" smtClean="0">
-                <a:hlinkClick r:id="rId3"/>
-              </a:rPr>
-              <a:t>https</a:t>
+              <a:rPr lang="de-CH" sz="2000" dirty="0" smtClean="0"/>
+              <a:t>How to build a shiny truck: </a:t>
             </a:r>
             <a:r>
               <a:rPr lang="en-US" sz="2000" dirty="0">
                 <a:hlinkClick r:id="rId3"/>
               </a:rPr>
+              <a:t>https://rviews.rstudio.com/2018/09/04/how-to-build-shiny-trucks-not-shiny-cars/</a:t>
+            </a:r>
+            <a:endParaRPr lang="de-CH" sz="2000" dirty="0" smtClean="0"/>
+          </a:p>
+          <a:p>
+            <a:r>
+              <a:rPr lang="en-US" sz="2000" dirty="0"/>
+              <a:t>A shiny Web App from LEGO— truck + </a:t>
+            </a:r>
+            <a:r>
+              <a:rPr lang="en-US" sz="2000" dirty="0" smtClean="0"/>
+              <a:t>trailer </a:t>
+            </a:r>
+            <a:r>
+              <a:rPr lang="en-US" sz="2000" dirty="0" smtClean="0">
+                <a:hlinkClick r:id="rId4"/>
+              </a:rPr>
+              <a:t>https</a:t>
+            </a:r>
+            <a:r>
+              <a:rPr lang="en-US" sz="2000" dirty="0">
+                <a:hlinkClick r:id="rId4"/>
+              </a:rPr>
               <a:t>://mail-wolf.de/?</a:t>
             </a:r>
             <a:r>
               <a:rPr lang="en-US" sz="2000" dirty="0" smtClean="0">
-                <a:hlinkClick r:id="rId3"/>
+                <a:hlinkClick r:id="rId4"/>
               </a:rPr>
               <a:t>p=4401</a:t>
             </a:r>
@@ -6302,7 +6325,7 @@
             </a:r>
             <a:r>
               <a:rPr lang="en-US" sz="2000" dirty="0">
-                <a:hlinkClick r:id="rId4"/>
+                <a:hlinkClick r:id="rId5"/>
               </a:rPr>
               <a:t>https://zappingseb.github.io/RPharma2018/</a:t>
             </a:r>
@@ -6319,14 +6342,14 @@
           <p:nvPr/>
         </p:nvPicPr>
         <p:blipFill>
-          <a:blip r:embed="rId5"/>
+          <a:blip r:embed="rId6"/>
           <a:stretch>
             <a:fillRect/>
           </a:stretch>
         </p:blipFill>
         <p:spPr>
           <a:xfrm>
-            <a:off x="1913992" y="3707591"/>
+            <a:off x="1913992" y="4296577"/>
             <a:ext cx="8364014" cy="3119387"/>
           </a:xfrm>
           <a:prstGeom prst="rect">
